--- a/数据结构和算法/剑指offer.pptx
+++ b/数据结构和算法/剑指offer.pptx
@@ -317,7 +317,7 @@
           <a:p>
             <a:fld id="{A19906BE-B388-44C7-9C4E-2FE63987E8E4}" type="datetimeFigureOut">
               <a:rPr lang="zh-CN" altLang="en-US" smtClean="0"/>
-              <a:t>2019/9/1</a:t>
+              <a:t>2019/9/17</a:t>
             </a:fld>
             <a:endParaRPr lang="zh-CN" altLang="en-US"/>
           </a:p>
@@ -487,7 +487,7 @@
           <a:p>
             <a:fld id="{A19906BE-B388-44C7-9C4E-2FE63987E8E4}" type="datetimeFigureOut">
               <a:rPr lang="zh-CN" altLang="en-US" smtClean="0"/>
-              <a:t>2019/9/1</a:t>
+              <a:t>2019/9/17</a:t>
             </a:fld>
             <a:endParaRPr lang="zh-CN" altLang="en-US"/>
           </a:p>
@@ -667,7 +667,7 @@
           <a:p>
             <a:fld id="{A19906BE-B388-44C7-9C4E-2FE63987E8E4}" type="datetimeFigureOut">
               <a:rPr lang="zh-CN" altLang="en-US" smtClean="0"/>
-              <a:t>2019/9/1</a:t>
+              <a:t>2019/9/17</a:t>
             </a:fld>
             <a:endParaRPr lang="zh-CN" altLang="en-US"/>
           </a:p>
@@ -837,7 +837,7 @@
           <a:p>
             <a:fld id="{A19906BE-B388-44C7-9C4E-2FE63987E8E4}" type="datetimeFigureOut">
               <a:rPr lang="zh-CN" altLang="en-US" smtClean="0"/>
-              <a:t>2019/9/1</a:t>
+              <a:t>2019/9/17</a:t>
             </a:fld>
             <a:endParaRPr lang="zh-CN" altLang="en-US"/>
           </a:p>
@@ -1083,7 +1083,7 @@
           <a:p>
             <a:fld id="{A19906BE-B388-44C7-9C4E-2FE63987E8E4}" type="datetimeFigureOut">
               <a:rPr lang="zh-CN" altLang="en-US" smtClean="0"/>
-              <a:t>2019/9/1</a:t>
+              <a:t>2019/9/17</a:t>
             </a:fld>
             <a:endParaRPr lang="zh-CN" altLang="en-US"/>
           </a:p>
@@ -1315,7 +1315,7 @@
           <a:p>
             <a:fld id="{A19906BE-B388-44C7-9C4E-2FE63987E8E4}" type="datetimeFigureOut">
               <a:rPr lang="zh-CN" altLang="en-US" smtClean="0"/>
-              <a:t>2019/9/1</a:t>
+              <a:t>2019/9/17</a:t>
             </a:fld>
             <a:endParaRPr lang="zh-CN" altLang="en-US"/>
           </a:p>
@@ -1682,7 +1682,7 @@
           <a:p>
             <a:fld id="{A19906BE-B388-44C7-9C4E-2FE63987E8E4}" type="datetimeFigureOut">
               <a:rPr lang="zh-CN" altLang="en-US" smtClean="0"/>
-              <a:t>2019/9/1</a:t>
+              <a:t>2019/9/17</a:t>
             </a:fld>
             <a:endParaRPr lang="zh-CN" altLang="en-US"/>
           </a:p>
@@ -1800,7 +1800,7 @@
           <a:p>
             <a:fld id="{A19906BE-B388-44C7-9C4E-2FE63987E8E4}" type="datetimeFigureOut">
               <a:rPr lang="zh-CN" altLang="en-US" smtClean="0"/>
-              <a:t>2019/9/1</a:t>
+              <a:t>2019/9/17</a:t>
             </a:fld>
             <a:endParaRPr lang="zh-CN" altLang="en-US"/>
           </a:p>
@@ -1895,7 +1895,7 @@
           <a:p>
             <a:fld id="{A19906BE-B388-44C7-9C4E-2FE63987E8E4}" type="datetimeFigureOut">
               <a:rPr lang="zh-CN" altLang="en-US" smtClean="0"/>
-              <a:t>2019/9/1</a:t>
+              <a:t>2019/9/17</a:t>
             </a:fld>
             <a:endParaRPr lang="zh-CN" altLang="en-US"/>
           </a:p>
@@ -2172,7 +2172,7 @@
           <a:p>
             <a:fld id="{A19906BE-B388-44C7-9C4E-2FE63987E8E4}" type="datetimeFigureOut">
               <a:rPr lang="zh-CN" altLang="en-US" smtClean="0"/>
-              <a:t>2019/9/1</a:t>
+              <a:t>2019/9/17</a:t>
             </a:fld>
             <a:endParaRPr lang="zh-CN" altLang="en-US"/>
           </a:p>
@@ -2425,7 +2425,7 @@
           <a:p>
             <a:fld id="{A19906BE-B388-44C7-9C4E-2FE63987E8E4}" type="datetimeFigureOut">
               <a:rPr lang="zh-CN" altLang="en-US" smtClean="0"/>
-              <a:t>2019/9/1</a:t>
+              <a:t>2019/9/17</a:t>
             </a:fld>
             <a:endParaRPr lang="zh-CN" altLang="en-US"/>
           </a:p>
@@ -2638,7 +2638,7 @@
           <a:p>
             <a:fld id="{A19906BE-B388-44C7-9C4E-2FE63987E8E4}" type="datetimeFigureOut">
               <a:rPr lang="zh-CN" altLang="en-US" smtClean="0"/>
-              <a:t>2019/9/1</a:t>
+              <a:t>2019/9/17</a:t>
             </a:fld>
             <a:endParaRPr lang="zh-CN" altLang="en-US"/>
           </a:p>
@@ -3609,11 +3609,7 @@
             </a:r>
             <a:r>
               <a:rPr lang="zh-CN" altLang="en-US" b="1" dirty="0" smtClean="0"/>
-              <a:t>的</a:t>
-            </a:r>
-            <a:r>
-              <a:rPr lang="zh-CN" altLang="en-US" b="1" dirty="0" smtClean="0"/>
-              <a:t>值与</a:t>
+              <a:t>的值与</a:t>
             </a:r>
             <a:r>
               <a:rPr lang="en-US" altLang="zh-CN" b="1" dirty="0" smtClean="0"/>
@@ -3986,8 +3982,8 @@
         </p:nvSpPr>
         <p:spPr>
           <a:xfrm>
-            <a:off x="7759700" y="585232"/>
-            <a:ext cx="2984500" cy="923330"/>
+            <a:off x="7838077" y="171404"/>
+            <a:ext cx="2984500" cy="1754326"/>
           </a:xfrm>
           <a:prstGeom prst="rect">
             <a:avLst/>
@@ -4002,11 +3998,17 @@
           <a:p>
             <a:r>
               <a:rPr lang="zh-CN" altLang="en-US" dirty="0" smtClean="0"/>
-              <a:t>回溯法，用递归或者队列来</a:t>
-            </a:r>
+              <a:t>回溯法，用递归或者队列来实现，回溯可以用队列结构来实现</a:t>
+            </a:r>
+            <a:endParaRPr lang="en-US" altLang="zh-CN" dirty="0" smtClean="0"/>
+          </a:p>
+          <a:p>
+            <a:endParaRPr lang="en-US" altLang="zh-CN" dirty="0"/>
+          </a:p>
+          <a:p>
             <a:r>
               <a:rPr lang="zh-CN" altLang="en-US" dirty="0" smtClean="0"/>
-              <a:t>实现，回溯可以用队列结构来实现</a:t>
+              <a:t>广度优先或者深度优先搜搜算法</a:t>
             </a:r>
             <a:endParaRPr lang="zh-CN" altLang="en-US" dirty="0"/>
           </a:p>
@@ -4399,7 +4401,7 @@
         <p:spPr>
           <a:xfrm>
             <a:off x="8051800" y="215900"/>
-            <a:ext cx="3759200" cy="369332"/>
+            <a:ext cx="3759200" cy="646331"/>
           </a:xfrm>
           <a:prstGeom prst="rect">
             <a:avLst/>
@@ -4415,6 +4417,21 @@
             <a:r>
               <a:rPr lang="zh-CN" altLang="en-US" b="1" dirty="0" smtClean="0"/>
               <a:t>位的运算</a:t>
+            </a:r>
+            <a:endParaRPr lang="en-US" altLang="zh-CN" b="1" dirty="0" smtClean="0"/>
+          </a:p>
+          <a:p>
+            <a:r>
+              <a:rPr lang="zh-CN" altLang="en-US" b="1" dirty="0" smtClean="0"/>
+              <a:t>将数减</a:t>
+            </a:r>
+            <a:r>
+              <a:rPr lang="en-US" altLang="zh-CN" b="1" dirty="0" smtClean="0"/>
+              <a:t>1</a:t>
+            </a:r>
+            <a:r>
+              <a:rPr lang="zh-CN" altLang="en-US" b="1" dirty="0" smtClean="0"/>
+              <a:t>然后再与原来的数做与运算</a:t>
             </a:r>
             <a:endParaRPr lang="zh-CN" altLang="en-US" dirty="0"/>
           </a:p>
@@ -4630,11 +4647,7 @@
           <a:p>
             <a:r>
               <a:rPr lang="zh-CN" altLang="en-US" dirty="0" smtClean="0"/>
-              <a:t>注意考虑特殊情况</a:t>
-            </a:r>
-            <a:r>
-              <a:rPr lang="zh-CN" altLang="en-US" dirty="0" smtClean="0"/>
-              <a:t>，</a:t>
+              <a:t>注意考虑特殊情况，</a:t>
             </a:r>
             <a:endParaRPr lang="en-US" altLang="zh-CN" dirty="0" smtClean="0"/>
           </a:p>
@@ -6400,11 +6413,7 @@
           <a:p>
             <a:r>
               <a:rPr lang="zh-CN" altLang="en-US" dirty="0" smtClean="0"/>
-              <a:t>双指针解决链表</a:t>
-            </a:r>
-            <a:r>
-              <a:rPr lang="zh-CN" altLang="en-US" dirty="0" smtClean="0"/>
-              <a:t>问题</a:t>
+              <a:t>双指针解决链表问题</a:t>
             </a:r>
             <a:endParaRPr lang="en-US" altLang="zh-CN" dirty="0" smtClean="0"/>
           </a:p>
@@ -7402,6 +7411,44 @@
           </a:p>
         </p:txBody>
       </p:sp>
+      <p:sp>
+        <p:nvSpPr>
+          <p:cNvPr id="8" name="文本框 7"/>
+          <p:cNvSpPr txBox="1"/>
+          <p:nvPr/>
+        </p:nvSpPr>
+        <p:spPr>
+          <a:xfrm>
+            <a:off x="714103" y="5860869"/>
+            <a:ext cx="2734491" cy="369332"/>
+          </a:xfrm>
+          <a:prstGeom prst="rect">
+            <a:avLst/>
+          </a:prstGeom>
+          <a:noFill/>
+        </p:spPr>
+        <p:txBody>
+          <a:bodyPr wrap="square" rtlCol="0">
+            <a:spAutoFit/>
+          </a:bodyPr>
+          <a:lstStyle/>
+          <a:p>
+            <a:r>
+              <a:rPr lang="zh-CN" altLang="en-US" b="1" dirty="0" smtClean="0">
+                <a:solidFill>
+                  <a:srgbClr val="FF0000"/>
+                </a:solidFill>
+              </a:rPr>
+              <a:t>分情况的对树的递归过程</a:t>
+            </a:r>
+            <a:endParaRPr lang="zh-CN" altLang="en-US" b="1" dirty="0">
+              <a:solidFill>
+                <a:srgbClr val="FF0000"/>
+              </a:solidFill>
+            </a:endParaRPr>
+          </a:p>
+        </p:txBody>
+      </p:sp>
     </p:spTree>
     <p:extLst>
       <p:ext uri="{BB962C8B-B14F-4D97-AF65-F5344CB8AC3E}">
@@ -8314,15 +8361,7 @@
                   <a:srgbClr val="FF0000"/>
                 </a:solidFill>
               </a:rPr>
-              <a:t>辅助栈</a:t>
-            </a:r>
-            <a:r>
-              <a:rPr lang="zh-CN" altLang="en-US" b="1" dirty="0" smtClean="0">
-                <a:solidFill>
-                  <a:srgbClr val="FF0000"/>
-                </a:solidFill>
-              </a:rPr>
-              <a:t>解决问题</a:t>
+              <a:t>辅助栈解决问题</a:t>
             </a:r>
             <a:endParaRPr lang="en-US" altLang="zh-CN" b="1" dirty="0" smtClean="0">
               <a:solidFill>
@@ -11520,11 +11559,7 @@
           <a:p>
             <a:r>
               <a:rPr lang="zh-CN" altLang="en-US" b="1" dirty="0" smtClean="0"/>
-              <a:t>需要</a:t>
-            </a:r>
-            <a:r>
-              <a:rPr lang="zh-CN" altLang="en-US" b="1" dirty="0" smtClean="0"/>
-              <a:t>借助一些数学规律，数学技巧，很困难的解法，后面记得将代码补上</a:t>
+              <a:t>需要借助一些数学规律，数学技巧，很困难的解法，后面记得将代码补上</a:t>
             </a:r>
             <a:endParaRPr lang="zh-CN" altLang="en-US" dirty="0"/>
           </a:p>
@@ -11906,11 +11941,7 @@
           <a:p>
             <a:r>
               <a:rPr lang="zh-CN" altLang="en-US" b="1" dirty="0" smtClean="0"/>
-              <a:t>写代码较困难</a:t>
-            </a:r>
-            <a:r>
-              <a:rPr lang="zh-CN" altLang="en-US" b="1" dirty="0" smtClean="0"/>
-              <a:t>吧</a:t>
+              <a:t>写代码较困难吧</a:t>
             </a:r>
             <a:endParaRPr lang="en-US" altLang="zh-CN" b="1" dirty="0" smtClean="0"/>
           </a:p>
@@ -11998,6 +12029,30 @@
           </a:p>
         </p:txBody>
       </p:sp>
+      <p:pic>
+        <p:nvPicPr>
+          <p:cNvPr id="4" name="图片 3"/>
+          <p:cNvPicPr>
+            <a:picLocks noChangeAspect="1"/>
+          </p:cNvPicPr>
+          <p:nvPr/>
+        </p:nvPicPr>
+        <p:blipFill>
+          <a:blip r:embed="rId3"/>
+          <a:stretch>
+            <a:fillRect/>
+          </a:stretch>
+        </p:blipFill>
+        <p:spPr>
+          <a:xfrm>
+            <a:off x="1301940" y="498291"/>
+            <a:ext cx="8221568" cy="6075229"/>
+          </a:xfrm>
+          <a:prstGeom prst="rect">
+            <a:avLst/>
+          </a:prstGeom>
+        </p:spPr>
+      </p:pic>
     </p:spTree>
     <p:extLst>
       <p:ext uri="{BB962C8B-B14F-4D97-AF65-F5344CB8AC3E}">
@@ -12111,11 +12166,7 @@
           <a:p>
             <a:r>
               <a:rPr lang="zh-CN" altLang="en-US" b="1" dirty="0" smtClean="0"/>
-              <a:t>根据该排序规则将数组中额元素进行排序然后将排序后的数组进行输出就好了</a:t>
-            </a:r>
-            <a:r>
-              <a:rPr lang="zh-CN" altLang="en-US" b="1" dirty="0" smtClean="0"/>
-              <a:t>。</a:t>
+              <a:t>根据该排序规则将数组中额元素进行排序然后将排序后的数组进行输出就好了。</a:t>
             </a:r>
             <a:endParaRPr lang="en-US" altLang="zh-CN" b="1" dirty="0" smtClean="0"/>
           </a:p>
@@ -12877,6 +12928,30 @@
           </a:p>
         </p:txBody>
       </p:sp>
+      <p:pic>
+        <p:nvPicPr>
+          <p:cNvPr id="7" name="图片 6"/>
+          <p:cNvPicPr>
+            <a:picLocks noChangeAspect="1"/>
+          </p:cNvPicPr>
+          <p:nvPr/>
+        </p:nvPicPr>
+        <p:blipFill>
+          <a:blip r:embed="rId4"/>
+          <a:stretch>
+            <a:fillRect/>
+          </a:stretch>
+        </p:blipFill>
+        <p:spPr>
+          <a:xfrm>
+            <a:off x="3728720" y="743125"/>
+            <a:ext cx="7612646" cy="5818102"/>
+          </a:xfrm>
+          <a:prstGeom prst="rect">
+            <a:avLst/>
+          </a:prstGeom>
+        </p:spPr>
+      </p:pic>
     </p:spTree>
     <p:extLst>
       <p:ext uri="{BB962C8B-B14F-4D97-AF65-F5344CB8AC3E}">
@@ -13439,11 +13514,7 @@
           <a:p>
             <a:r>
               <a:rPr lang="zh-CN" altLang="en-US" b="1" dirty="0" smtClean="0"/>
-              <a:t>即两种返回，递归基的返回，递归函数的</a:t>
-            </a:r>
-            <a:r>
-              <a:rPr lang="zh-CN" altLang="en-US" b="1" dirty="0" smtClean="0"/>
-              <a:t>返回</a:t>
+              <a:t>即两种返回，递归基的返回，递归函数的返回</a:t>
             </a:r>
             <a:endParaRPr lang="en-US" altLang="zh-CN" b="1" dirty="0" smtClean="0"/>
           </a:p>
@@ -13499,7 +13570,7 @@
         </p:blipFill>
         <p:spPr>
           <a:xfrm>
-            <a:off x="3882368" y="1693228"/>
+            <a:off x="3882368" y="1713548"/>
             <a:ext cx="4257143" cy="6190476"/>
           </a:xfrm>
           <a:prstGeom prst="rect">
@@ -13535,15 +13606,7 @@
                   <a:srgbClr val="FF0000"/>
                 </a:solidFill>
               </a:rPr>
-              <a:t>需要</a:t>
-            </a:r>
-            <a:r>
-              <a:rPr lang="zh-CN" altLang="en-US" b="1" dirty="0" smtClean="0">
-                <a:solidFill>
-                  <a:srgbClr val="FF0000"/>
-                </a:solidFill>
-              </a:rPr>
-              <a:t>写写，自己实现归并排序</a:t>
+              <a:t>需要写写，自己实现归并排序</a:t>
             </a:r>
             <a:endParaRPr lang="zh-CN" altLang="en-US" b="1" dirty="0">
               <a:solidFill>
@@ -13553,6 +13616,54 @@
           </a:p>
         </p:txBody>
       </p:sp>
+      <p:pic>
+        <p:nvPicPr>
+          <p:cNvPr id="7" name="图片 6"/>
+          <p:cNvPicPr>
+            <a:picLocks noChangeAspect="1"/>
+          </p:cNvPicPr>
+          <p:nvPr/>
+        </p:nvPicPr>
+        <p:blipFill>
+          <a:blip r:embed="rId4"/>
+          <a:stretch>
+            <a:fillRect/>
+          </a:stretch>
+        </p:blipFill>
+        <p:spPr>
+          <a:xfrm>
+            <a:off x="-506880" y="2812524"/>
+            <a:ext cx="4389248" cy="5048120"/>
+          </a:xfrm>
+          <a:prstGeom prst="rect">
+            <a:avLst/>
+          </a:prstGeom>
+        </p:spPr>
+      </p:pic>
+      <p:pic>
+        <p:nvPicPr>
+          <p:cNvPr id="8" name="图片 7"/>
+          <p:cNvPicPr>
+            <a:picLocks noChangeAspect="1"/>
+          </p:cNvPicPr>
+          <p:nvPr/>
+        </p:nvPicPr>
+        <p:blipFill>
+          <a:blip r:embed="rId5"/>
+          <a:stretch>
+            <a:fillRect/>
+          </a:stretch>
+        </p:blipFill>
+        <p:spPr>
+          <a:xfrm>
+            <a:off x="3882368" y="1902168"/>
+            <a:ext cx="4807073" cy="5649283"/>
+          </a:xfrm>
+          <a:prstGeom prst="rect">
+            <a:avLst/>
+          </a:prstGeom>
+        </p:spPr>
+      </p:pic>
     </p:spTree>
     <p:extLst>
       <p:ext uri="{BB962C8B-B14F-4D97-AF65-F5344CB8AC3E}">
@@ -13652,11 +13763,7 @@
           <a:p>
             <a:r>
               <a:rPr lang="zh-CN" altLang="en-US" b="1" dirty="0" smtClean="0"/>
-              <a:t>可以用辅助栈来解决问题，即将每个链表的节点都分别压入两个栈中，然后每次从两个栈中弹出一个元素，直至两个栈弹出的元素的值不相等</a:t>
-            </a:r>
-            <a:r>
-              <a:rPr lang="zh-CN" altLang="en-US" b="1" dirty="0" smtClean="0"/>
-              <a:t>。从后往前弹出数据</a:t>
+              <a:t>可以用辅助栈来解决问题，即将每个链表的节点都分别压入两个栈中，然后每次从两个栈中弹出一个元素，直至两个栈弹出的元素的值不相等。从后往前弹出数据</a:t>
             </a:r>
             <a:endParaRPr lang="en-US" altLang="zh-CN" b="1" dirty="0" smtClean="0"/>
           </a:p>
@@ -14217,8 +14324,8 @@
         </p:blipFill>
         <p:spPr>
           <a:xfrm>
-            <a:off x="482826" y="3232357"/>
-            <a:ext cx="3619048" cy="3314286"/>
+            <a:off x="492986" y="2700000"/>
+            <a:ext cx="4363494" cy="3996042"/>
           </a:xfrm>
           <a:prstGeom prst="rect">
             <a:avLst/>
@@ -15168,6 +15275,30 @@
           </a:prstGeom>
         </p:spPr>
       </p:pic>
+      <p:pic>
+        <p:nvPicPr>
+          <p:cNvPr id="6" name="图片 5"/>
+          <p:cNvPicPr>
+            <a:picLocks noChangeAspect="1"/>
+          </p:cNvPicPr>
+          <p:nvPr/>
+        </p:nvPicPr>
+        <p:blipFill>
+          <a:blip r:embed="rId4"/>
+          <a:stretch>
+            <a:fillRect/>
+          </a:stretch>
+        </p:blipFill>
+        <p:spPr>
+          <a:xfrm>
+            <a:off x="4533788" y="1737107"/>
+            <a:ext cx="7036023" cy="5120893"/>
+          </a:xfrm>
+          <a:prstGeom prst="rect">
+            <a:avLst/>
+          </a:prstGeom>
+        </p:spPr>
+      </p:pic>
     </p:spTree>
     <p:extLst>
       <p:ext uri="{BB962C8B-B14F-4D97-AF65-F5344CB8AC3E}">
@@ -15294,6 +15425,30 @@
           <a:xfrm>
             <a:off x="203200" y="771884"/>
             <a:ext cx="5114286" cy="2209524"/>
+          </a:xfrm>
+          <a:prstGeom prst="rect">
+            <a:avLst/>
+          </a:prstGeom>
+        </p:spPr>
+      </p:pic>
+      <p:pic>
+        <p:nvPicPr>
+          <p:cNvPr id="4" name="图片 3"/>
+          <p:cNvPicPr>
+            <a:picLocks noChangeAspect="1"/>
+          </p:cNvPicPr>
+          <p:nvPr/>
+        </p:nvPicPr>
+        <p:blipFill>
+          <a:blip r:embed="rId3"/>
+          <a:stretch>
+            <a:fillRect/>
+          </a:stretch>
+        </p:blipFill>
+        <p:spPr>
+          <a:xfrm>
+            <a:off x="4064000" y="1657325"/>
+            <a:ext cx="8128000" cy="5127100"/>
           </a:xfrm>
           <a:prstGeom prst="rect">
             <a:avLst/>
@@ -15930,6 +16085,106 @@
           </a:p>
         </p:txBody>
       </p:sp>
+      <p:pic>
+        <p:nvPicPr>
+          <p:cNvPr id="4" name="图片 3"/>
+          <p:cNvPicPr>
+            <a:picLocks noChangeAspect="1"/>
+          </p:cNvPicPr>
+          <p:nvPr/>
+        </p:nvPicPr>
+        <p:blipFill>
+          <a:blip r:embed="rId3"/>
+          <a:stretch>
+            <a:fillRect/>
+          </a:stretch>
+        </p:blipFill>
+        <p:spPr>
+          <a:xfrm>
+            <a:off x="1605281" y="270839"/>
+            <a:ext cx="9923726" cy="6343321"/>
+          </a:xfrm>
+          <a:prstGeom prst="rect">
+            <a:avLst/>
+          </a:prstGeom>
+        </p:spPr>
+      </p:pic>
+      <p:sp>
+        <p:nvSpPr>
+          <p:cNvPr id="7" name="文本框 6"/>
+          <p:cNvSpPr txBox="1"/>
+          <p:nvPr/>
+        </p:nvSpPr>
+        <p:spPr>
+          <a:xfrm>
+            <a:off x="9123680" y="3657600"/>
+            <a:ext cx="3606800" cy="2031325"/>
+          </a:xfrm>
+          <a:prstGeom prst="rect">
+            <a:avLst/>
+          </a:prstGeom>
+          <a:noFill/>
+        </p:spPr>
+        <p:txBody>
+          <a:bodyPr wrap="square" rtlCol="0">
+            <a:spAutoFit/>
+          </a:bodyPr>
+          <a:lstStyle/>
+          <a:p>
+            <a:r>
+              <a:rPr lang="zh-CN" altLang="en-US" dirty="0" smtClean="0"/>
+              <a:t>如果队列中元素的个数大于</a:t>
+            </a:r>
+            <a:r>
+              <a:rPr lang="en-US" altLang="zh-CN" dirty="0" smtClean="0"/>
+              <a:t>k</a:t>
+            </a:r>
+            <a:r>
+              <a:rPr lang="zh-CN" altLang="en-US" dirty="0" smtClean="0"/>
+              <a:t>则进行弹出</a:t>
+            </a:r>
+            <a:endParaRPr lang="en-US" altLang="zh-CN" dirty="0" smtClean="0"/>
+          </a:p>
+          <a:p>
+            <a:r>
+              <a:rPr lang="zh-CN" altLang="en-US" dirty="0" smtClean="0"/>
+              <a:t>否则与当前的</a:t>
+            </a:r>
+            <a:r>
+              <a:rPr lang="en-US" altLang="zh-CN" dirty="0" err="1" smtClean="0"/>
+              <a:t>i</a:t>
+            </a:r>
+            <a:r>
+              <a:rPr lang="zh-CN" altLang="en-US" dirty="0" smtClean="0"/>
+              <a:t>位置的数值进行比较，如果比它小就弹出，然后将</a:t>
+            </a:r>
+            <a:r>
+              <a:rPr lang="en-US" altLang="zh-CN" dirty="0" err="1" smtClean="0"/>
+              <a:t>i</a:t>
+            </a:r>
+            <a:r>
+              <a:rPr lang="zh-CN" altLang="en-US" dirty="0" smtClean="0"/>
+              <a:t>进队列</a:t>
+            </a:r>
+            <a:endParaRPr lang="en-US" altLang="zh-CN" dirty="0" smtClean="0"/>
+          </a:p>
+          <a:p>
+            <a:r>
+              <a:rPr lang="zh-CN" altLang="en-US" dirty="0" smtClean="0"/>
+              <a:t>如果</a:t>
+            </a:r>
+            <a:r>
+              <a:rPr lang="en-US" altLang="zh-CN" dirty="0" smtClean="0"/>
+              <a:t>i-k+1&gt;=0</a:t>
+            </a:r>
+            <a:r>
+              <a:rPr lang="zh-CN" altLang="en-US" dirty="0" smtClean="0"/>
+              <a:t>达到了要求就就是结果</a:t>
+            </a:r>
+            <a:endParaRPr lang="zh-CN" altLang="en-US" dirty="0"/>
+          </a:p>
+        </p:txBody>
+      </p:sp>
     </p:spTree>
     <p:extLst>
       <p:ext uri="{BB962C8B-B14F-4D97-AF65-F5344CB8AC3E}">
@@ -16169,7 +16424,7 @@
         </p:blipFill>
         <p:spPr>
           <a:xfrm>
-            <a:off x="7032776" y="696095"/>
+            <a:off x="4594376" y="585232"/>
             <a:ext cx="7142857" cy="6161905"/>
           </a:xfrm>
           <a:prstGeom prst="rect">
@@ -16681,11 +16936,7 @@
             <a:p>
               <a:r>
                 <a:rPr lang="zh-CN" altLang="en-US" dirty="0" smtClean="0"/>
-                <a:t>有右子树：在右子</a:t>
-              </a:r>
-              <a:r>
-                <a:rPr lang="zh-CN" altLang="en-US" dirty="0" smtClean="0"/>
-                <a:t>树中</a:t>
+                <a:t>有右子树：在右子树中</a:t>
               </a:r>
               <a:endParaRPr lang="en-US" altLang="zh-CN" dirty="0" smtClean="0"/>
             </a:p>
